--- a/docpac_13021222/Weekly Review.pptx
+++ b/docpac_13021222/Weekly Review.pptx
@@ -143,18 +143,18 @@
   <pc:docChgLst>
     <pc:chgData name="Christopher Smith" userId="dd7fc2d5-9988-40ef-9498-c94fd49fd9a4" providerId="ADAL" clId="{182432FF-D0C4-481D-BB37-6DE8DB18A53C}"/>
     <pc:docChg chg="custSel addSld modSld">
-      <pc:chgData name="Christopher Smith" userId="dd7fc2d5-9988-40ef-9498-c94fd49fd9a4" providerId="ADAL" clId="{182432FF-D0C4-481D-BB37-6DE8DB18A53C}" dt="2022-11-28T16:43:53.242" v="416" actId="20577"/>
+      <pc:chgData name="Christopher Smith" userId="dd7fc2d5-9988-40ef-9498-c94fd49fd9a4" providerId="ADAL" clId="{182432FF-D0C4-481D-BB37-6DE8DB18A53C}" dt="2022-11-30T12:39:53.640" v="444" actId="20577"/>
       <pc:docMkLst>
         <pc:docMk/>
       </pc:docMkLst>
       <pc:sldChg chg="modSp modAnim">
-        <pc:chgData name="Christopher Smith" userId="dd7fc2d5-9988-40ef-9498-c94fd49fd9a4" providerId="ADAL" clId="{182432FF-D0C4-481D-BB37-6DE8DB18A53C}" dt="2022-11-28T16:41:10.278" v="225" actId="20577"/>
+        <pc:chgData name="Christopher Smith" userId="dd7fc2d5-9988-40ef-9498-c94fd49fd9a4" providerId="ADAL" clId="{182432FF-D0C4-481D-BB37-6DE8DB18A53C}" dt="2022-11-30T12:39:53.640" v="444" actId="20577"/>
         <pc:sldMkLst>
           <pc:docMk/>
           <pc:sldMk cId="1917243919" sldId="257"/>
         </pc:sldMkLst>
         <pc:spChg chg="mod">
-          <ac:chgData name="Christopher Smith" userId="dd7fc2d5-9988-40ef-9498-c94fd49fd9a4" providerId="ADAL" clId="{182432FF-D0C4-481D-BB37-6DE8DB18A53C}" dt="2022-11-28T16:41:10.278" v="225" actId="20577"/>
+          <ac:chgData name="Christopher Smith" userId="dd7fc2d5-9988-40ef-9498-c94fd49fd9a4" providerId="ADAL" clId="{182432FF-D0C4-481D-BB37-6DE8DB18A53C}" dt="2022-11-30T12:39:53.640" v="444" actId="20577"/>
           <ac:spMkLst>
             <pc:docMk/>
             <pc:sldMk cId="1917243919" sldId="257"/>
@@ -384,7 +384,7 @@
           <a:p>
             <a:fld id="{5FE97E66-812A-4864-A707-4D377C761408}" type="datetimeFigureOut">
               <a:rPr lang="en-US" smtClean="0"/>
-              <a:t>11/28/2022</a:t>
+              <a:t>11/29/2022</a:t>
             </a:fld>
             <a:endParaRPr lang="en-US"/>
           </a:p>
@@ -582,7 +582,7 @@
           <a:p>
             <a:fld id="{5FE97E66-812A-4864-A707-4D377C761408}" type="datetimeFigureOut">
               <a:rPr lang="en-US" smtClean="0"/>
-              <a:t>11/28/2022</a:t>
+              <a:t>11/29/2022</a:t>
             </a:fld>
             <a:endParaRPr lang="en-US"/>
           </a:p>
@@ -790,7 +790,7 @@
           <a:p>
             <a:fld id="{5FE97E66-812A-4864-A707-4D377C761408}" type="datetimeFigureOut">
               <a:rPr lang="en-US" smtClean="0"/>
-              <a:t>11/28/2022</a:t>
+              <a:t>11/29/2022</a:t>
             </a:fld>
             <a:endParaRPr lang="en-US"/>
           </a:p>
@@ -988,7 +988,7 @@
           <a:p>
             <a:fld id="{5FE97E66-812A-4864-A707-4D377C761408}" type="datetimeFigureOut">
               <a:rPr lang="en-US" smtClean="0"/>
-              <a:t>11/28/2022</a:t>
+              <a:t>11/29/2022</a:t>
             </a:fld>
             <a:endParaRPr lang="en-US"/>
           </a:p>
@@ -1263,7 +1263,7 @@
           <a:p>
             <a:fld id="{5FE97E66-812A-4864-A707-4D377C761408}" type="datetimeFigureOut">
               <a:rPr lang="en-US" smtClean="0"/>
-              <a:t>11/28/2022</a:t>
+              <a:t>11/29/2022</a:t>
             </a:fld>
             <a:endParaRPr lang="en-US"/>
           </a:p>
@@ -1528,7 +1528,7 @@
           <a:p>
             <a:fld id="{5FE97E66-812A-4864-A707-4D377C761408}" type="datetimeFigureOut">
               <a:rPr lang="en-US" smtClean="0"/>
-              <a:t>11/28/2022</a:t>
+              <a:t>11/29/2022</a:t>
             </a:fld>
             <a:endParaRPr lang="en-US"/>
           </a:p>
@@ -1940,7 +1940,7 @@
           <a:p>
             <a:fld id="{5FE97E66-812A-4864-A707-4D377C761408}" type="datetimeFigureOut">
               <a:rPr lang="en-US" smtClean="0"/>
-              <a:t>11/28/2022</a:t>
+              <a:t>11/29/2022</a:t>
             </a:fld>
             <a:endParaRPr lang="en-US"/>
           </a:p>
@@ -2081,7 +2081,7 @@
           <a:p>
             <a:fld id="{5FE97E66-812A-4864-A707-4D377C761408}" type="datetimeFigureOut">
               <a:rPr lang="en-US" smtClean="0"/>
-              <a:t>11/28/2022</a:t>
+              <a:t>11/29/2022</a:t>
             </a:fld>
             <a:endParaRPr lang="en-US"/>
           </a:p>
@@ -2194,7 +2194,7 @@
           <a:p>
             <a:fld id="{5FE97E66-812A-4864-A707-4D377C761408}" type="datetimeFigureOut">
               <a:rPr lang="en-US" smtClean="0"/>
-              <a:t>11/28/2022</a:t>
+              <a:t>11/29/2022</a:t>
             </a:fld>
             <a:endParaRPr lang="en-US"/>
           </a:p>
@@ -2505,7 +2505,7 @@
           <a:p>
             <a:fld id="{5FE97E66-812A-4864-A707-4D377C761408}" type="datetimeFigureOut">
               <a:rPr lang="en-US" smtClean="0"/>
-              <a:t>11/28/2022</a:t>
+              <a:t>11/29/2022</a:t>
             </a:fld>
             <a:endParaRPr lang="en-US"/>
           </a:p>
@@ -2793,7 +2793,7 @@
           <a:p>
             <a:fld id="{5FE97E66-812A-4864-A707-4D377C761408}" type="datetimeFigureOut">
               <a:rPr lang="en-US" smtClean="0"/>
-              <a:t>11/28/2022</a:t>
+              <a:t>11/29/2022</a:t>
             </a:fld>
             <a:endParaRPr lang="en-US"/>
           </a:p>
@@ -3034,7 +3034,7 @@
           <a:p>
             <a:fld id="{5FE97E66-812A-4864-A707-4D377C761408}" type="datetimeFigureOut">
               <a:rPr lang="en-US" smtClean="0"/>
-              <a:t>11/28/2022</a:t>
+              <a:t>11/29/2022</a:t>
             </a:fld>
             <a:endParaRPr lang="en-US"/>
           </a:p>
@@ -3621,10 +3621,7 @@
               <a:rPr lang="en-US" dirty="0" err="1"/>
               <a:t>Winpigler</a:t>
             </a:r>
-            <a:r>
-              <a:rPr lang="en-US" dirty="0"/>
-              <a:t>, Luke Thompson</a:t>
-            </a:r>
+            <a:endParaRPr lang="en-US" dirty="0"/>
           </a:p>
           <a:p>
             <a:r>
@@ -3636,7 +3633,7 @@
             <a:pPr lvl="1"/>
             <a:r>
               <a:rPr lang="en-US" dirty="0"/>
-              <a:t>Christian Boldt</a:t>
+              <a:t>Christian Boldt, Luke Thompson</a:t>
             </a:r>
           </a:p>
           <a:p>
@@ -3676,7 +3673,10 @@
               <a:rPr lang="en-US" dirty="0" err="1"/>
               <a:t>Floto</a:t>
             </a:r>
-            <a:endParaRPr lang="en-US" dirty="0"/>
+            <a:r>
+              <a:rPr lang="en-US" dirty="0"/>
+              <a:t>, Alex Plitt</a:t>
+            </a:r>
           </a:p>
           <a:p>
             <a:pPr lvl="1"/>
